--- a/teaching/cs513-autocps-fall-2020/lecture1-Models.pptx
+++ b/teaching/cs513-autocps-fall-2020/lecture1-Models.pptx
@@ -1456,7 +1456,7 @@
           <p:nvPr userDrawn="1"/>
         </p:nvPicPr>
         <mc:AlternateContent xmlns:mc="http://schemas.openxmlformats.org/markup-compatibility/2006">
-          <mc:Choice xmlns="" xmlns:mv="urn:schemas-microsoft-com:mac:vml" xmlns:ma="http://schemas.microsoft.com/office/mac/drawingml/2008/main" Requires="ma">
+          <mc:Choice xmlns:ma="http://schemas.microsoft.com/office/mac/drawingml/2008/main" xmlns:mv="urn:schemas-microsoft-com:mac:vml" xmlns="" Requires="ma">
             <p:blipFill>
               <a:blip r:embed="rId3"/>
               <a:stretch>
@@ -6523,8 +6523,8 @@
           </a:p>
         </p:txBody>
       </p:sp>
-      <mc:AlternateContent xmlns:mc="http://schemas.openxmlformats.org/markup-compatibility/2006">
-        <mc:Choice xmlns:a14="http://schemas.microsoft.com/office/drawing/2010/main" Requires="a14">
+      <mc:AlternateContent xmlns:mc="http://schemas.openxmlformats.org/markup-compatibility/2006" xmlns:a14="http://schemas.microsoft.com/office/drawing/2010/main">
+        <mc:Choice Requires="a14">
           <p:graphicFrame>
             <p:nvGraphicFramePr>
               <p:cNvPr id="5" name="Table 4">
@@ -7504,7 +7504,7 @@
             </a:graphic>
           </p:graphicFrame>
         </mc:Choice>
-        <mc:Fallback>
+        <mc:Fallback xmlns="">
           <p:graphicFrame>
             <p:nvGraphicFramePr>
               <p:cNvPr id="5" name="Table 4">
@@ -8235,8 +8235,8 @@
           <a:chExt cx="0" cy="0"/>
         </a:xfrm>
       </p:grpSpPr>
-      <mc:AlternateContent xmlns:mc="http://schemas.openxmlformats.org/markup-compatibility/2006">
-        <mc:Choice xmlns:a14="http://schemas.microsoft.com/office/drawing/2010/main" Requires="a14">
+      <mc:AlternateContent xmlns:mc="http://schemas.openxmlformats.org/markup-compatibility/2006" xmlns:a14="http://schemas.microsoft.com/office/drawing/2010/main">
+        <mc:Choice Requires="a14">
           <p:sp>
             <p:nvSpPr>
               <p:cNvPr id="2" name="Content Placeholder 1">
@@ -8738,7 +8738,7 @@
             </p:txBody>
           </p:sp>
         </mc:Choice>
-        <mc:Fallback>
+        <mc:Fallback xmlns="">
           <p:sp>
             <p:nvSpPr>
               <p:cNvPr id="2" name="Content Placeholder 1">
@@ -11498,8 +11498,8 @@
           </p:txBody>
         </p:sp>
       </p:grpSp>
-      <mc:AlternateContent xmlns:mc="http://schemas.openxmlformats.org/markup-compatibility/2006">
-        <mc:Choice xmlns:a14="http://schemas.microsoft.com/office/drawing/2010/main" Requires="a14">
+      <mc:AlternateContent xmlns:mc="http://schemas.openxmlformats.org/markup-compatibility/2006" xmlns:a14="http://schemas.microsoft.com/office/drawing/2010/main">
+        <mc:Choice Requires="a14">
           <p:sp>
             <p:nvSpPr>
               <p:cNvPr id="15" name="TextBox 14">
@@ -11620,7 +11620,7 @@
             </p:txBody>
           </p:sp>
         </mc:Choice>
-        <mc:Fallback>
+        <mc:Fallback xmlns="">
           <p:sp>
             <p:nvSpPr>
               <p:cNvPr id="15" name="TextBox 14">
@@ -16338,7 +16338,7 @@
         </p:nvCxnSpPr>
         <p:spPr>
           <a:xfrm>
-            <a:off x="7467600" y="1985107"/>
+            <a:off x="7467600" y="2282190"/>
             <a:ext cx="2991476" cy="0"/>
           </a:xfrm>
           <a:prstGeom prst="line">
@@ -16571,8 +16571,8 @@
           </a:p>
         </p:txBody>
       </p:sp>
-      <mc:AlternateContent xmlns:mc="http://schemas.openxmlformats.org/markup-compatibility/2006">
-        <mc:Choice xmlns:a14="http://schemas.microsoft.com/office/drawing/2010/main" Requires="a14">
+      <mc:AlternateContent xmlns:mc="http://schemas.openxmlformats.org/markup-compatibility/2006" xmlns:a14="http://schemas.microsoft.com/office/drawing/2010/main">
+        <mc:Choice Requires="a14">
           <p:sp>
             <p:nvSpPr>
               <p:cNvPr id="8" name="TextBox 7">
@@ -16659,7 +16659,7 @@
             </p:txBody>
           </p:sp>
         </mc:Choice>
-        <mc:Fallback>
+        <mc:Fallback xmlns="">
           <p:sp>
             <p:nvSpPr>
               <p:cNvPr id="8" name="TextBox 7">
@@ -16780,6 +16780,50 @@
               <a:rPr lang="en-US" sz="2800" dirty="0"/>
               <a:t>bool error </a:t>
             </a:r>
+          </a:p>
+        </p:txBody>
+      </p:sp>
+      <p:sp>
+        <p:nvSpPr>
+          <p:cNvPr id="5" name="TextBox 4">
+            <a:extLst>
+              <a:ext uri="{FF2B5EF4-FFF2-40B4-BE49-F238E27FC236}">
+                <a16:creationId xmlns:a16="http://schemas.microsoft.com/office/drawing/2014/main" id="{56BED00A-03B1-4761-B768-1605A889BA67}"/>
+              </a:ext>
+            </a:extLst>
+          </p:cNvPr>
+          <p:cNvSpPr txBox="1"/>
+          <p:nvPr/>
+        </p:nvSpPr>
+        <p:spPr>
+          <a:xfrm>
+            <a:off x="7716119" y="1818219"/>
+            <a:ext cx="2152032" cy="461665"/>
+          </a:xfrm>
+          <a:prstGeom prst="rect">
+            <a:avLst/>
+          </a:prstGeom>
+          <a:noFill/>
+        </p:spPr>
+        <p:txBody>
+          <a:bodyPr wrap="square" rtlCol="0">
+            <a:spAutoFit/>
+          </a:bodyPr>
+          <a:lstStyle/>
+          <a:p>
+            <a:r>
+              <a:rPr lang="en-US" sz="2400" dirty="0"/>
+              <a:t>bool error</a:t>
+            </a:r>
+            <a:r>
+              <a:rPr lang="en-US" sz="2400" baseline="-25000" dirty="0"/>
+              <a:t> </a:t>
+            </a:r>
+            <a:r>
+              <a:rPr lang="en-US" sz="2400" dirty="0"/>
+              <a:t>:= 0</a:t>
+            </a:r>
+            <a:endParaRPr lang="en-US" sz="2400" baseline="-25000" dirty="0"/>
           </a:p>
         </p:txBody>
       </p:sp>
@@ -17469,8 +17513,8 @@
           </a:fontRef>
         </p:style>
       </p:cxnSp>
-      <mc:AlternateContent xmlns:mc="http://schemas.openxmlformats.org/markup-compatibility/2006">
-        <mc:Choice xmlns:a14="http://schemas.microsoft.com/office/drawing/2010/main" Requires="a14">
+      <mc:AlternateContent xmlns:mc="http://schemas.openxmlformats.org/markup-compatibility/2006" xmlns:a14="http://schemas.microsoft.com/office/drawing/2010/main">
+        <mc:Choice Requires="a14">
           <p:sp>
             <p:nvSpPr>
               <p:cNvPr id="37" name="TextBox 36">
@@ -17557,7 +17601,7 @@
             </p:txBody>
           </p:sp>
         </mc:Choice>
-        <mc:Fallback>
+        <mc:Fallback xmlns="">
           <p:sp>
             <p:nvSpPr>
               <p:cNvPr id="37" name="TextBox 36">
@@ -19354,8 +19398,8 @@
           </a:fontRef>
         </p:style>
       </p:cxnSp>
-      <mc:AlternateContent xmlns:mc="http://schemas.openxmlformats.org/markup-compatibility/2006">
-        <mc:Choice xmlns:a14="http://schemas.microsoft.com/office/drawing/2010/main" Requires="a14">
+      <mc:AlternateContent xmlns:mc="http://schemas.openxmlformats.org/markup-compatibility/2006" xmlns:a14="http://schemas.microsoft.com/office/drawing/2010/main">
+        <mc:Choice Requires="a14">
           <p:sp>
             <p:nvSpPr>
               <p:cNvPr id="44" name="TextBox 43">
@@ -19396,13 +19440,7 @@
                       <a:rPr lang="en-US" sz="2400" b="0" i="1" smtClean="0">
                         <a:latin typeface="Cambria Math" panose="02040503050406030204" pitchFamily="18" charset="0"/>
                       </a:rPr>
-                      <m:t>→</m:t>
-                    </m:r>
-                    <m:r>
-                      <a:rPr lang="en-US" sz="2400" b="0" i="1" smtClean="0">
-                        <a:latin typeface="Cambria Math" panose="02040503050406030204" pitchFamily="18" charset="0"/>
-                      </a:rPr>
-                      <m:t> </m:t>
+                      <m:t>→ </m:t>
                     </m:r>
                   </m:oMath>
                 </a14:m>
@@ -19415,7 +19453,7 @@
             </p:txBody>
           </p:sp>
         </mc:Choice>
-        <mc:Fallback>
+        <mc:Fallback xmlns="">
           <p:sp>
             <p:nvSpPr>
               <p:cNvPr id="44" name="TextBox 43">
@@ -20875,8 +20913,8 @@
           </p:sp>
         </mc:Fallback>
       </mc:AlternateContent>
-      <mc:AlternateContent xmlns:mc="http://schemas.openxmlformats.org/markup-compatibility/2006">
-        <mc:Choice xmlns:a14="http://schemas.microsoft.com/office/drawing/2010/main" Requires="a14">
+      <mc:AlternateContent xmlns:mc="http://schemas.openxmlformats.org/markup-compatibility/2006" xmlns:a14="http://schemas.microsoft.com/office/drawing/2010/main">
+        <mc:Choice Requires="a14">
           <p:sp>
             <p:nvSpPr>
               <p:cNvPr id="17" name="TextBox 16">
@@ -20925,7 +20963,6 @@
                 </a:r>
               </a:p>
               <a:p>
-                <a:pPr/>
                 <a14:m>
                   <m:oMath xmlns:m="http://schemas.openxmlformats.org/officeDocument/2006/math">
                     <m:r>
@@ -20971,7 +21008,7 @@
             </p:txBody>
           </p:sp>
         </mc:Choice>
-        <mc:Fallback>
+        <mc:Fallback xmlns="">
           <p:sp>
             <p:nvSpPr>
               <p:cNvPr id="17" name="TextBox 16">
@@ -22175,8 +22212,8 @@
             </p:sp>
           </mc:Fallback>
         </mc:AlternateContent>
-        <mc:AlternateContent xmlns:mc="http://schemas.openxmlformats.org/markup-compatibility/2006">
-          <mc:Choice xmlns:a14="http://schemas.microsoft.com/office/drawing/2010/main" Requires="a14">
+        <mc:AlternateContent xmlns:mc="http://schemas.openxmlformats.org/markup-compatibility/2006" xmlns:a14="http://schemas.microsoft.com/office/drawing/2010/main">
+          <mc:Choice Requires="a14">
             <p:sp>
               <p:nvSpPr>
                 <p:cNvPr id="16" name="TextBox 15">
@@ -22225,7 +22262,6 @@
                   </a:r>
                 </a:p>
                 <a:p>
-                  <a:pPr/>
                   <a14:m>
                     <m:oMath xmlns:m="http://schemas.openxmlformats.org/officeDocument/2006/math">
                       <m:r>
@@ -22271,7 +22307,7 @@
               </p:txBody>
             </p:sp>
           </mc:Choice>
-          <mc:Fallback>
+          <mc:Fallback xmlns="">
             <p:sp>
               <p:nvSpPr>
                 <p:cNvPr id="16" name="TextBox 15">
@@ -29345,7 +29381,7 @@
           <a:graphicData uri="http://schemas.openxmlformats.org/presentationml/2006/ole">
             <mc:AlternateContent xmlns:mc="http://schemas.openxmlformats.org/markup-compatibility/2006">
               <mc:Choice xmlns:v="urn:schemas-microsoft-com:vml" Requires="v">
-                <p:oleObj spid="_x0000_s1051" name="Acrobat Document" r:id="rId3" imgW="5067154" imgH="2066857" progId="AcroExch.Document.7">
+                <p:oleObj spid="_x0000_s1054" name="Acrobat Document" r:id="rId3" imgW="5067154" imgH="2066857" progId="AcroExch.Document.7">
                   <p:embed/>
                 </p:oleObj>
               </mc:Choice>
@@ -36474,8 +36510,8 @@
           <a:chExt cx="0" cy="0"/>
         </a:xfrm>
       </p:grpSpPr>
-      <mc:AlternateContent xmlns:mc="http://schemas.openxmlformats.org/markup-compatibility/2006">
-        <mc:Choice xmlns:a14="http://schemas.microsoft.com/office/drawing/2010/main" Requires="a14">
+      <mc:AlternateContent xmlns:mc="http://schemas.openxmlformats.org/markup-compatibility/2006" xmlns:a14="http://schemas.microsoft.com/office/drawing/2010/main">
+        <mc:Choice Requires="a14">
           <p:sp>
             <p:nvSpPr>
               <p:cNvPr id="2" name="Content Placeholder 1">
@@ -36757,7 +36793,7 @@
             </p:txBody>
           </p:sp>
         </mc:Choice>
-        <mc:Fallback>
+        <mc:Fallback xmlns="">
           <p:sp>
             <p:nvSpPr>
               <p:cNvPr id="2" name="Content Placeholder 1">
@@ -38171,8 +38207,8 @@
           </p:txBody>
         </p:sp>
       </p:grpSp>
-      <mc:AlternateContent xmlns:mc="http://schemas.openxmlformats.org/markup-compatibility/2006" xmlns:a14="http://schemas.microsoft.com/office/drawing/2010/main">
-        <mc:Choice Requires="a14">
+      <mc:AlternateContent xmlns:mc="http://schemas.openxmlformats.org/markup-compatibility/2006">
+        <mc:Choice xmlns:a14="http://schemas.microsoft.com/office/drawing/2010/main" Requires="a14">
           <p:sp>
             <p:nvSpPr>
               <p:cNvPr id="18" name="TextBox 17">
@@ -38269,7 +38305,7 @@
                 </a:r>
                 <a:r>
                   <a:rPr lang="en-US" sz="2000" baseline="-25000" dirty="0"/>
-                  <a:t>1</a:t>
+                  <a:t>2</a:t>
                 </a:r>
                 <a:r>
                   <a:rPr lang="en-US" sz="2000" dirty="0"/>
@@ -38279,7 +38315,7 @@
             </p:txBody>
           </p:sp>
         </mc:Choice>
-        <mc:Fallback xmlns="">
+        <mc:Fallback>
           <p:sp>
             <p:nvSpPr>
               <p:cNvPr id="18" name="TextBox 17">
